--- a/presentation.pptx
+++ b/presentation.pptx
@@ -7,10 +7,11 @@
   <p:sldIdLst>
     <p:sldId id="256" r:id="rId2"/>
     <p:sldId id="257" r:id="rId3"/>
-    <p:sldId id="258" r:id="rId4"/>
-    <p:sldId id="259" r:id="rId5"/>
-    <p:sldId id="261" r:id="rId6"/>
-    <p:sldId id="260" r:id="rId7"/>
+    <p:sldId id="262" r:id="rId4"/>
+    <p:sldId id="258" r:id="rId5"/>
+    <p:sldId id="259" r:id="rId6"/>
+    <p:sldId id="261" r:id="rId7"/>
+    <p:sldId id="260" r:id="rId8"/>
   </p:sldIdLst>
   <p:sldSz cx="9144000" cy="6858000" type="screen4x3"/>
   <p:notesSz cx="6858000" cy="9144000"/>
@@ -3332,19 +3333,27 @@
           <a:p>
             <a:r>
               <a:rPr lang="en-US" dirty="0" smtClean="0"/>
-              <a:t>Reach the blue box, which is the end.</a:t>
-            </a:r>
+              <a:t>Reach the blue box, which is the end</a:t>
+            </a:r>
+            <a:r>
+              <a:rPr lang="en-US" dirty="0" smtClean="0"/>
+              <a:t>.</a:t>
+            </a:r>
+          </a:p>
+          <a:p>
+            <a:endParaRPr lang="en-US" dirty="0" smtClean="0"/>
+          </a:p>
+          <a:p>
+            <a:r>
+              <a:rPr lang="en-US" dirty="0" smtClean="0"/>
+              <a:t>How to play</a:t>
+            </a:r>
+            <a:endParaRPr lang="en-US" dirty="0" smtClean="0"/>
           </a:p>
           <a:p>
             <a:r>
               <a:rPr lang="en-US" dirty="0" smtClean="0"/>
               <a:t>Use mouse to play </a:t>
-            </a:r>
-          </a:p>
-          <a:p>
-            <a:r>
-              <a:rPr lang="en-US" dirty="0" smtClean="0"/>
-              <a:t>jump4r.com</a:t>
             </a:r>
           </a:p>
           <a:p>
@@ -3401,12 +3410,8 @@
           <a:lstStyle/>
           <a:p>
             <a:r>
-              <a:rPr lang="en-US" dirty="0" err="1" smtClean="0"/>
-              <a:t>Phong</a:t>
-            </a:r>
-            <a:r>
               <a:rPr lang="en-US" dirty="0" smtClean="0"/>
-              <a:t> Shading</a:t>
+              <a:t>Live Demo</a:t>
             </a:r>
             <a:endParaRPr lang="en-US" dirty="0"/>
           </a:p>
@@ -3427,14 +3432,20 @@
           <a:bodyPr/>
           <a:lstStyle/>
           <a:p>
-            <a:endParaRPr lang="en-US"/>
+            <a:r>
+              <a:rPr lang="en-US" dirty="0"/>
+              <a:t>jump4r.com</a:t>
+            </a:r>
+          </a:p>
+          <a:p>
+            <a:endParaRPr lang="en-US" dirty="0"/>
           </a:p>
         </p:txBody>
       </p:sp>
     </p:spTree>
     <p:extLst>
       <p:ext uri="{BB962C8B-B14F-4D97-AF65-F5344CB8AC3E}">
-        <p14:creationId xmlns:p14="http://schemas.microsoft.com/office/powerpoint/2010/main" val="2597018034"/>
+        <p14:creationId xmlns:p14="http://schemas.microsoft.com/office/powerpoint/2010/main" val="4086989778"/>
       </p:ext>
     </p:extLst>
   </p:cSld>
@@ -3478,7 +3489,11 @@
           <a:p>
             <a:r>
               <a:rPr lang="en-US" dirty="0" err="1" smtClean="0"/>
-              <a:t>Antialising</a:t>
+              <a:t>Phong</a:t>
+            </a:r>
+            <a:r>
+              <a:rPr lang="en-US" dirty="0" smtClean="0"/>
+              <a:t> Shading</a:t>
             </a:r>
             <a:endParaRPr lang="en-US" dirty="0"/>
           </a:p>
@@ -3503,10 +3518,92 @@
           </a:p>
         </p:txBody>
       </p:sp>
+      <p:pic>
+        <p:nvPicPr>
+          <p:cNvPr id="2050" name="Picture 2" descr="C:\Users\Dustin\Documents\ThreeGraphics\phong-OFF.png"/>
+          <p:cNvPicPr>
+            <a:picLocks noChangeAspect="1" noChangeArrowheads="1"/>
+          </p:cNvPicPr>
+          <p:nvPr/>
+        </p:nvPicPr>
+        <p:blipFill>
+          <a:blip r:embed="rId2">
+            <a:extLst>
+              <a:ext uri="{28A0092B-C50C-407E-A947-70E740481C1C}">
+                <a14:useLocalDpi xmlns:a14="http://schemas.microsoft.com/office/drawing/2010/main" val="0"/>
+              </a:ext>
+            </a:extLst>
+          </a:blip>
+          <a:srcRect/>
+          <a:stretch>
+            <a:fillRect/>
+          </a:stretch>
+        </p:blipFill>
+        <p:spPr bwMode="auto">
+          <a:xfrm>
+            <a:off x="4467225" y="1405261"/>
+            <a:ext cx="1657350" cy="4937469"/>
+          </a:xfrm>
+          <a:prstGeom prst="rect">
+            <a:avLst/>
+          </a:prstGeom>
+          <a:noFill/>
+          <a:extLst>
+            <a:ext uri="{909E8E84-426E-40DD-AFC4-6F175D3DCCD1}">
+              <a14:hiddenFill xmlns:a14="http://schemas.microsoft.com/office/drawing/2010/main">
+                <a:solidFill>
+                  <a:srgbClr val="FFFFFF"/>
+                </a:solidFill>
+              </a14:hiddenFill>
+            </a:ext>
+          </a:extLst>
+        </p:spPr>
+      </p:pic>
+      <p:pic>
+        <p:nvPicPr>
+          <p:cNvPr id="2051" name="Picture 3" descr="C:\Users\Dustin\Documents\ThreeGraphics\phong-ON.png"/>
+          <p:cNvPicPr>
+            <a:picLocks noChangeAspect="1" noChangeArrowheads="1"/>
+          </p:cNvPicPr>
+          <p:nvPr/>
+        </p:nvPicPr>
+        <p:blipFill>
+          <a:blip r:embed="rId3">
+            <a:extLst>
+              <a:ext uri="{28A0092B-C50C-407E-A947-70E740481C1C}">
+                <a14:useLocalDpi xmlns:a14="http://schemas.microsoft.com/office/drawing/2010/main" val="0"/>
+              </a:ext>
+            </a:extLst>
+          </a:blip>
+          <a:srcRect/>
+          <a:stretch>
+            <a:fillRect/>
+          </a:stretch>
+        </p:blipFill>
+        <p:spPr bwMode="auto">
+          <a:xfrm>
+            <a:off x="1143000" y="1405261"/>
+            <a:ext cx="1752600" cy="4943475"/>
+          </a:xfrm>
+          <a:prstGeom prst="rect">
+            <a:avLst/>
+          </a:prstGeom>
+          <a:noFill/>
+          <a:extLst>
+            <a:ext uri="{909E8E84-426E-40DD-AFC4-6F175D3DCCD1}">
+              <a14:hiddenFill xmlns:a14="http://schemas.microsoft.com/office/drawing/2010/main">
+                <a:solidFill>
+                  <a:srgbClr val="FFFFFF"/>
+                </a:solidFill>
+              </a14:hiddenFill>
+            </a:ext>
+          </a:extLst>
+        </p:spPr>
+      </p:pic>
     </p:spTree>
     <p:extLst>
       <p:ext uri="{BB962C8B-B14F-4D97-AF65-F5344CB8AC3E}">
-        <p14:creationId xmlns:p14="http://schemas.microsoft.com/office/powerpoint/2010/main" val="2843808187"/>
+        <p14:creationId xmlns:p14="http://schemas.microsoft.com/office/powerpoint/2010/main" val="2597018034"/>
       </p:ext>
     </p:extLst>
   </p:cSld>
@@ -3549,6 +3646,160 @@
           <a:lstStyle/>
           <a:p>
             <a:r>
+              <a:rPr lang="en-US" dirty="0" err="1" smtClean="0"/>
+              <a:t>Antialising</a:t>
+            </a:r>
+            <a:endParaRPr lang="en-US" dirty="0"/>
+          </a:p>
+        </p:txBody>
+      </p:sp>
+      <p:sp>
+        <p:nvSpPr>
+          <p:cNvPr id="3" name="Content Placeholder 2"/>
+          <p:cNvSpPr>
+            <a:spLocks noGrp="1"/>
+          </p:cNvSpPr>
+          <p:nvPr>
+            <p:ph idx="1"/>
+          </p:nvPr>
+        </p:nvSpPr>
+        <p:spPr/>
+        <p:txBody>
+          <a:bodyPr/>
+          <a:lstStyle/>
+          <a:p>
+            <a:endParaRPr lang="en-US" dirty="0"/>
+          </a:p>
+        </p:txBody>
+      </p:sp>
+      <p:pic>
+        <p:nvPicPr>
+          <p:cNvPr id="1027" name="Picture 3" descr="C:\Users\Dustin\Documents\ThreeGraphics\antialias-ON.png"/>
+          <p:cNvPicPr>
+            <a:picLocks noChangeAspect="1" noChangeArrowheads="1"/>
+          </p:cNvPicPr>
+          <p:nvPr/>
+        </p:nvPicPr>
+        <p:blipFill>
+          <a:blip r:embed="rId2">
+            <a:extLst>
+              <a:ext uri="{28A0092B-C50C-407E-A947-70E740481C1C}">
+                <a14:useLocalDpi xmlns:a14="http://schemas.microsoft.com/office/drawing/2010/main" val="0"/>
+              </a:ext>
+            </a:extLst>
+          </a:blip>
+          <a:srcRect/>
+          <a:stretch>
+            <a:fillRect/>
+          </a:stretch>
+        </p:blipFill>
+        <p:spPr bwMode="auto">
+          <a:xfrm>
+            <a:off x="1530061" y="1828800"/>
+            <a:ext cx="3021157" cy="3021157"/>
+          </a:xfrm>
+          <a:prstGeom prst="rect">
+            <a:avLst/>
+          </a:prstGeom>
+          <a:noFill/>
+          <a:extLst>
+            <a:ext uri="{909E8E84-426E-40DD-AFC4-6F175D3DCCD1}">
+              <a14:hiddenFill xmlns:a14="http://schemas.microsoft.com/office/drawing/2010/main">
+                <a:solidFill>
+                  <a:srgbClr val="FFFFFF"/>
+                </a:solidFill>
+              </a14:hiddenFill>
+            </a:ext>
+          </a:extLst>
+        </p:spPr>
+      </p:pic>
+      <p:pic>
+        <p:nvPicPr>
+          <p:cNvPr id="1028" name="Picture 4" descr="C:\Users\Dustin\Documents\ThreeGraphics\antialias-OFF.png"/>
+          <p:cNvPicPr>
+            <a:picLocks noChangeAspect="1" noChangeArrowheads="1"/>
+          </p:cNvPicPr>
+          <p:nvPr/>
+        </p:nvPicPr>
+        <p:blipFill>
+          <a:blip r:embed="rId3">
+            <a:extLst>
+              <a:ext uri="{28A0092B-C50C-407E-A947-70E740481C1C}">
+                <a14:useLocalDpi xmlns:a14="http://schemas.microsoft.com/office/drawing/2010/main" val="0"/>
+              </a:ext>
+            </a:extLst>
+          </a:blip>
+          <a:srcRect/>
+          <a:stretch>
+            <a:fillRect/>
+          </a:stretch>
+        </p:blipFill>
+        <p:spPr bwMode="auto">
+          <a:xfrm>
+            <a:off x="4572000" y="1828800"/>
+            <a:ext cx="3036339" cy="3021157"/>
+          </a:xfrm>
+          <a:prstGeom prst="rect">
+            <a:avLst/>
+          </a:prstGeom>
+          <a:noFill/>
+          <a:extLst>
+            <a:ext uri="{909E8E84-426E-40DD-AFC4-6F175D3DCCD1}">
+              <a14:hiddenFill xmlns:a14="http://schemas.microsoft.com/office/drawing/2010/main">
+                <a:solidFill>
+                  <a:srgbClr val="FFFFFF"/>
+                </a:solidFill>
+              </a14:hiddenFill>
+            </a:ext>
+          </a:extLst>
+        </p:spPr>
+      </p:pic>
+    </p:spTree>
+    <p:extLst>
+      <p:ext uri="{BB962C8B-B14F-4D97-AF65-F5344CB8AC3E}">
+        <p14:creationId xmlns:p14="http://schemas.microsoft.com/office/powerpoint/2010/main" val="2843808187"/>
+      </p:ext>
+    </p:extLst>
+  </p:cSld>
+  <p:clrMapOvr>
+    <a:masterClrMapping/>
+  </p:clrMapOvr>
+</p:sld>
+</file>
+
+<file path=ppt/slides/slide6.xml><?xml version="1.0" encoding="utf-8"?>
+<p:sld xmlns:a="http://schemas.openxmlformats.org/drawingml/2006/main" xmlns:r="http://schemas.openxmlformats.org/officeDocument/2006/relationships" xmlns:p="http://schemas.openxmlformats.org/presentationml/2006/main">
+  <p:cSld>
+    <p:spTree>
+      <p:nvGrpSpPr>
+        <p:cNvPr id="1" name=""/>
+        <p:cNvGrpSpPr/>
+        <p:nvPr/>
+      </p:nvGrpSpPr>
+      <p:grpSpPr>
+        <a:xfrm>
+          <a:off x="0" y="0"/>
+          <a:ext cx="0" cy="0"/>
+          <a:chOff x="0" y="0"/>
+          <a:chExt cx="0" cy="0"/>
+        </a:xfrm>
+      </p:grpSpPr>
+      <p:sp>
+        <p:nvSpPr>
+          <p:cNvPr id="2" name="Title 1"/>
+          <p:cNvSpPr>
+            <a:spLocks noGrp="1"/>
+          </p:cNvSpPr>
+          <p:nvPr>
+            <p:ph type="title"/>
+          </p:nvPr>
+        </p:nvSpPr>
+        <p:spPr/>
+        <p:txBody>
+          <a:bodyPr/>
+          <a:lstStyle/>
+          <a:p>
+            <a:r>
               <a:rPr lang="en-US" dirty="0" smtClean="0"/>
               <a:t>Ray Casting</a:t>
             </a:r>
@@ -3575,6 +3826,47 @@
           </a:p>
         </p:txBody>
       </p:sp>
+      <p:pic>
+        <p:nvPicPr>
+          <p:cNvPr id="3074" name="Picture 2" descr="C:\Users\Dustin\Downloads\ThreeRaycastPhoto.png"/>
+          <p:cNvPicPr>
+            <a:picLocks noChangeAspect="1" noChangeArrowheads="1"/>
+          </p:cNvPicPr>
+          <p:nvPr/>
+        </p:nvPicPr>
+        <p:blipFill>
+          <a:blip r:embed="rId2">
+            <a:extLst>
+              <a:ext uri="{28A0092B-C50C-407E-A947-70E740481C1C}">
+                <a14:useLocalDpi xmlns:a14="http://schemas.microsoft.com/office/drawing/2010/main" val="0"/>
+              </a:ext>
+            </a:extLst>
+          </a:blip>
+          <a:srcRect/>
+          <a:stretch>
+            <a:fillRect/>
+          </a:stretch>
+        </p:blipFill>
+        <p:spPr bwMode="auto">
+          <a:xfrm>
+            <a:off x="914400" y="1981200"/>
+            <a:ext cx="6621463" cy="3267075"/>
+          </a:xfrm>
+          <a:prstGeom prst="rect">
+            <a:avLst/>
+          </a:prstGeom>
+          <a:noFill/>
+          <a:extLst>
+            <a:ext uri="{909E8E84-426E-40DD-AFC4-6F175D3DCCD1}">
+              <a14:hiddenFill xmlns:a14="http://schemas.microsoft.com/office/drawing/2010/main">
+                <a:solidFill>
+                  <a:srgbClr val="FFFFFF"/>
+                </a:solidFill>
+              </a14:hiddenFill>
+            </a:ext>
+          </a:extLst>
+        </p:spPr>
+      </p:pic>
     </p:spTree>
     <p:extLst>
       <p:ext uri="{BB962C8B-B14F-4D97-AF65-F5344CB8AC3E}">
@@ -3588,7 +3880,7 @@
 </p:sld>
 </file>
 
-<file path=ppt/slides/slide6.xml><?xml version="1.0" encoding="utf-8"?>
+<file path=ppt/slides/slide7.xml><?xml version="1.0" encoding="utf-8"?>
 <p:sld xmlns:a="http://schemas.openxmlformats.org/drawingml/2006/main" xmlns:r="http://schemas.openxmlformats.org/officeDocument/2006/relationships" xmlns:p="http://schemas.openxmlformats.org/presentationml/2006/main">
   <p:cSld>
     <p:spTree>
